--- a/Tech Talk - Kubernetes.pptx
+++ b/Tech Talk - Kubernetes.pptx
@@ -5,10 +5,10 @@
     <p:sldMasterId id="2147483648" r:id="rId1"/>
   </p:sldMasterIdLst>
   <p:notesMasterIdLst>
-    <p:notesMasterId r:id="rId19"/>
+    <p:notesMasterId r:id="rId22"/>
   </p:notesMasterIdLst>
   <p:handoutMasterIdLst>
-    <p:handoutMasterId r:id="rId20"/>
+    <p:handoutMasterId r:id="rId23"/>
   </p:handoutMasterIdLst>
   <p:sldIdLst>
     <p:sldId id="309" r:id="rId2"/>
@@ -23,11 +23,14 @@
     <p:sldId id="367" r:id="rId11"/>
     <p:sldId id="369" r:id="rId12"/>
     <p:sldId id="372" r:id="rId13"/>
-    <p:sldId id="370" r:id="rId14"/>
-    <p:sldId id="371" r:id="rId15"/>
-    <p:sldId id="373" r:id="rId16"/>
-    <p:sldId id="342" r:id="rId17"/>
-    <p:sldId id="301" r:id="rId18"/>
+    <p:sldId id="371" r:id="rId14"/>
+    <p:sldId id="370" r:id="rId15"/>
+    <p:sldId id="374" r:id="rId16"/>
+    <p:sldId id="375" r:id="rId17"/>
+    <p:sldId id="376" r:id="rId18"/>
+    <p:sldId id="373" r:id="rId19"/>
+    <p:sldId id="342" r:id="rId20"/>
+    <p:sldId id="301" r:id="rId21"/>
   </p:sldIdLst>
   <p:sldSz cx="9144000" cy="5143500" type="screen16x9"/>
   <p:notesSz cx="6858000" cy="9144000"/>
@@ -2891,11 +2894,7 @@
           <a:p>
             <a:r>
               <a:rPr lang="en-US" dirty="0" smtClean="0"/>
-              <a:t>Understanding </a:t>
-            </a:r>
-            <a:r>
-              <a:rPr lang="en-US" dirty="0" smtClean="0"/>
-              <a:t>Kubernetes Internals </a:t>
+              <a:t>Understanding Kubernetes Internals </a:t>
             </a:r>
             <a:r>
               <a:rPr lang="en-US" dirty="0" err="1" smtClean="0"/>
@@ -3719,6 +3718,360 @@
           <a:p>
             <a:r>
               <a:rPr lang="en-US" dirty="0" smtClean="0"/>
+              <a:t>Kubernetes </a:t>
+            </a:r>
+            <a:r>
+              <a:rPr lang="en-US" dirty="0"/>
+              <a:t>Deploying First Application</a:t>
+            </a:r>
+          </a:p>
+        </p:txBody>
+      </p:sp>
+      <p:sp>
+        <p:nvSpPr>
+          <p:cNvPr id="7" name="Text Placeholder 2"/>
+          <p:cNvSpPr txBox="1">
+            <a:spLocks/>
+          </p:cNvSpPr>
+          <p:nvPr/>
+        </p:nvSpPr>
+        <p:spPr>
+          <a:xfrm>
+            <a:off x="44761" y="541901"/>
+            <a:ext cx="8915400" cy="4265440"/>
+          </a:xfrm>
+          <a:prstGeom prst="rect">
+            <a:avLst/>
+          </a:prstGeom>
+        </p:spPr>
+        <p:txBody>
+          <a:bodyPr vert="horz">
+            <a:normAutofit/>
+          </a:bodyPr>
+          <a:lstStyle>
+            <a:lvl1pPr marL="0" indent="0" algn="l" defTabSz="457200" rtl="0" eaLnBrk="1" latinLnBrk="0" hangingPunct="1">
+              <a:spcBef>
+                <a:spcPct val="20000"/>
+              </a:spcBef>
+              <a:buFont typeface="Arial"/>
+              <a:buNone/>
+              <a:defRPr sz="2400" kern="1200">
+                <a:solidFill>
+                  <a:schemeClr val="tx2"/>
+                </a:solidFill>
+                <a:latin typeface="+mn-lt"/>
+                <a:ea typeface="+mn-ea"/>
+                <a:cs typeface="+mn-cs"/>
+              </a:defRPr>
+            </a:lvl1pPr>
+            <a:lvl2pPr marL="396875" marR="0" indent="-171450" algn="l" defTabSz="457200" rtl="0" eaLnBrk="1" fontAlgn="auto" latinLnBrk="0" hangingPunct="1">
+              <a:lnSpc>
+                <a:spcPct val="100000"/>
+              </a:lnSpc>
+              <a:spcBef>
+                <a:spcPct val="20000"/>
+              </a:spcBef>
+              <a:spcAft>
+                <a:spcPts val="0"/>
+              </a:spcAft>
+              <a:buClr>
+                <a:srgbClr val="5E9A36"/>
+              </a:buClr>
+              <a:buSzTx/>
+              <a:buFont typeface="Wingdings" panose="05000000000000000000" pitchFamily="2" charset="2"/>
+              <a:buChar char="§"/>
+              <a:tabLst/>
+              <a:defRPr sz="2000" kern="1200">
+                <a:solidFill>
+                  <a:schemeClr val="tx2"/>
+                </a:solidFill>
+                <a:latin typeface="+mn-lt"/>
+                <a:ea typeface="+mn-ea"/>
+                <a:cs typeface="+mn-cs"/>
+              </a:defRPr>
+            </a:lvl2pPr>
+            <a:lvl3pPr marL="628650" marR="0" indent="-176213" algn="l" defTabSz="457200" rtl="0" eaLnBrk="1" fontAlgn="auto" latinLnBrk="0" hangingPunct="1">
+              <a:lnSpc>
+                <a:spcPct val="100000"/>
+              </a:lnSpc>
+              <a:spcBef>
+                <a:spcPct val="20000"/>
+              </a:spcBef>
+              <a:spcAft>
+                <a:spcPts val="0"/>
+              </a:spcAft>
+              <a:buClr>
+                <a:srgbClr val="5E9A36"/>
+              </a:buClr>
+              <a:buSzTx/>
+              <a:buFont typeface="Arial" panose="020B0604020202020204" pitchFamily="34" charset="0"/>
+              <a:buChar char="–"/>
+              <a:tabLst/>
+              <a:defRPr sz="1800" kern="1200">
+                <a:solidFill>
+                  <a:schemeClr val="tx2"/>
+                </a:solidFill>
+                <a:latin typeface="+mn-lt"/>
+                <a:ea typeface="+mn-ea"/>
+                <a:cs typeface="+mn-cs"/>
+              </a:defRPr>
+            </a:lvl3pPr>
+            <a:lvl4pPr marL="858838" marR="0" indent="-115888" algn="l" defTabSz="457200" rtl="0" eaLnBrk="1" fontAlgn="auto" latinLnBrk="0" hangingPunct="1">
+              <a:lnSpc>
+                <a:spcPct val="100000"/>
+              </a:lnSpc>
+              <a:spcBef>
+                <a:spcPct val="20000"/>
+              </a:spcBef>
+              <a:spcAft>
+                <a:spcPts val="0"/>
+              </a:spcAft>
+              <a:buClr>
+                <a:srgbClr val="5E9A36"/>
+              </a:buClr>
+              <a:buSzTx/>
+              <a:buFont typeface="Arial" panose="020B0604020202020204" pitchFamily="34" charset="0"/>
+              <a:buChar char="•"/>
+              <a:tabLst/>
+              <a:defRPr sz="1600" kern="1200">
+                <a:solidFill>
+                  <a:schemeClr val="tx2"/>
+                </a:solidFill>
+                <a:latin typeface="+mn-lt"/>
+                <a:ea typeface="+mn-ea"/>
+                <a:cs typeface="+mn-cs"/>
+              </a:defRPr>
+            </a:lvl4pPr>
+            <a:lvl5pPr marL="1144588" marR="0" indent="-176213" algn="l" defTabSz="457200" rtl="0" eaLnBrk="1" fontAlgn="auto" latinLnBrk="0" hangingPunct="1">
+              <a:lnSpc>
+                <a:spcPct val="100000"/>
+              </a:lnSpc>
+              <a:spcBef>
+                <a:spcPct val="20000"/>
+              </a:spcBef>
+              <a:spcAft>
+                <a:spcPts val="0"/>
+              </a:spcAft>
+              <a:buClr>
+                <a:srgbClr val="5E9A36"/>
+              </a:buClr>
+              <a:buSzTx/>
+              <a:buFont typeface="Arial"/>
+              <a:buChar char="»"/>
+              <a:tabLst/>
+              <a:defRPr sz="1600" kern="1200">
+                <a:solidFill>
+                  <a:schemeClr val="tx2"/>
+                </a:solidFill>
+                <a:latin typeface="+mn-lt"/>
+                <a:ea typeface="+mn-ea"/>
+                <a:cs typeface="+mn-cs"/>
+              </a:defRPr>
+            </a:lvl5pPr>
+            <a:lvl6pPr marL="2514600" indent="-228600" algn="l" defTabSz="457200" rtl="0" eaLnBrk="1" latinLnBrk="0" hangingPunct="1">
+              <a:spcBef>
+                <a:spcPct val="20000"/>
+              </a:spcBef>
+              <a:buFont typeface="Arial"/>
+              <a:buChar char="•"/>
+              <a:defRPr sz="2000" kern="1200">
+                <a:solidFill>
+                  <a:schemeClr val="tx1"/>
+                </a:solidFill>
+                <a:latin typeface="+mn-lt"/>
+                <a:ea typeface="+mn-ea"/>
+                <a:cs typeface="+mn-cs"/>
+              </a:defRPr>
+            </a:lvl6pPr>
+            <a:lvl7pPr marL="2971800" indent="-228600" algn="l" defTabSz="457200" rtl="0" eaLnBrk="1" latinLnBrk="0" hangingPunct="1">
+              <a:spcBef>
+                <a:spcPct val="20000"/>
+              </a:spcBef>
+              <a:buFont typeface="Arial"/>
+              <a:buChar char="•"/>
+              <a:defRPr sz="2000" kern="1200">
+                <a:solidFill>
+                  <a:schemeClr val="tx1"/>
+                </a:solidFill>
+                <a:latin typeface="+mn-lt"/>
+                <a:ea typeface="+mn-ea"/>
+                <a:cs typeface="+mn-cs"/>
+              </a:defRPr>
+            </a:lvl7pPr>
+            <a:lvl8pPr marL="3429000" indent="-228600" algn="l" defTabSz="457200" rtl="0" eaLnBrk="1" latinLnBrk="0" hangingPunct="1">
+              <a:spcBef>
+                <a:spcPct val="20000"/>
+              </a:spcBef>
+              <a:buFont typeface="Arial"/>
+              <a:buChar char="•"/>
+              <a:defRPr sz="2000" kern="1200">
+                <a:solidFill>
+                  <a:schemeClr val="tx1"/>
+                </a:solidFill>
+                <a:latin typeface="+mn-lt"/>
+                <a:ea typeface="+mn-ea"/>
+                <a:cs typeface="+mn-cs"/>
+              </a:defRPr>
+            </a:lvl8pPr>
+            <a:lvl9pPr marL="3886200" indent="-228600" algn="l" defTabSz="457200" rtl="0" eaLnBrk="1" latinLnBrk="0" hangingPunct="1">
+              <a:spcBef>
+                <a:spcPct val="20000"/>
+              </a:spcBef>
+              <a:buFont typeface="Arial"/>
+              <a:buChar char="•"/>
+              <a:defRPr sz="2000" kern="1200">
+                <a:solidFill>
+                  <a:schemeClr val="tx1"/>
+                </a:solidFill>
+                <a:latin typeface="+mn-lt"/>
+                <a:ea typeface="+mn-ea"/>
+                <a:cs typeface="+mn-cs"/>
+              </a:defRPr>
+            </a:lvl9pPr>
+          </a:lstStyle>
+          <a:p>
+            <a:pPr marL="285750" indent="-285750" algn="just">
+              <a:buFont typeface="Arial" panose="020B0604020202020204" pitchFamily="34" charset="0"/>
+              <a:buChar char="•"/>
+            </a:pPr>
+            <a:r>
+              <a:rPr lang="en-US" sz="1400" dirty="0" smtClean="0"/>
+              <a:t>Spring Boot Application with the following </a:t>
+            </a:r>
+            <a:r>
+              <a:rPr lang="en-US" sz="1400" dirty="0" smtClean="0"/>
+              <a:t>response</a:t>
+            </a:r>
+          </a:p>
+          <a:p>
+            <a:pPr marL="285750" indent="-285750" algn="just">
+              <a:buFont typeface="Arial" panose="020B0604020202020204" pitchFamily="34" charset="0"/>
+              <a:buChar char="•"/>
+            </a:pPr>
+            <a:r>
+              <a:rPr lang="en-US" sz="1400" dirty="0" err="1" smtClean="0"/>
+              <a:t>MiniKube</a:t>
+            </a:r>
+            <a:r>
+              <a:rPr lang="en-US" sz="1400" dirty="0" smtClean="0"/>
+              <a:t> as development cluster ( Single Node Virtual System )</a:t>
+            </a:r>
+            <a:endParaRPr lang="en-US" sz="1400" dirty="0" smtClean="0"/>
+          </a:p>
+          <a:p>
+            <a:pPr marL="285750" indent="-285750" algn="just">
+              <a:buFont typeface="Arial" panose="020B0604020202020204" pitchFamily="34" charset="0"/>
+              <a:buChar char="•"/>
+            </a:pPr>
+            <a:endParaRPr lang="en-US" sz="1400" dirty="0" smtClean="0"/>
+          </a:p>
+          <a:p>
+            <a:pPr marL="285750" indent="-285750" algn="just">
+              <a:buFont typeface="Arial" panose="020B0604020202020204" pitchFamily="34" charset="0"/>
+              <a:buChar char="•"/>
+            </a:pPr>
+            <a:endParaRPr lang="en-US" sz="1400" dirty="0" smtClean="0"/>
+          </a:p>
+          <a:p>
+            <a:pPr marL="285750" indent="-285750" algn="just">
+              <a:buFont typeface="Arial" panose="020B0604020202020204" pitchFamily="34" charset="0"/>
+              <a:buChar char="•"/>
+            </a:pPr>
+            <a:endParaRPr lang="en-US" sz="1400" dirty="0"/>
+          </a:p>
+          <a:p>
+            <a:pPr marL="285750" indent="-285750" algn="just">
+              <a:buFont typeface="Arial" panose="020B0604020202020204" pitchFamily="34" charset="0"/>
+              <a:buChar char="•"/>
+            </a:pPr>
+            <a:endParaRPr lang="en-US" sz="1400" dirty="0" smtClean="0"/>
+          </a:p>
+          <a:p>
+            <a:pPr marL="285750" indent="-285750" algn="just">
+              <a:buFont typeface="Arial" panose="020B0604020202020204" pitchFamily="34" charset="0"/>
+              <a:buChar char="•"/>
+            </a:pPr>
+            <a:endParaRPr lang="en-US" sz="1400" dirty="0"/>
+          </a:p>
+        </p:txBody>
+      </p:sp>
+    </p:spTree>
+    <p:extLst>
+      <p:ext uri="{BB962C8B-B14F-4D97-AF65-F5344CB8AC3E}">
+        <p14:creationId xmlns:p14="http://schemas.microsoft.com/office/powerpoint/2010/main" val="939287624"/>
+      </p:ext>
+    </p:extLst>
+  </p:cSld>
+  <p:clrMapOvr>
+    <a:masterClrMapping/>
+  </p:clrMapOvr>
+  <p:timing>
+    <p:tnLst>
+      <p:par>
+        <p:cTn id="1" dur="indefinite" restart="never" nodeType="tmRoot"/>
+      </p:par>
+    </p:tnLst>
+  </p:timing>
+</p:sld>
+</file>
+
+<file path=ppt/slides/slide14.xml><?xml version="1.0" encoding="utf-8"?>
+<p:sld xmlns:a="http://schemas.openxmlformats.org/drawingml/2006/main" xmlns:r="http://schemas.openxmlformats.org/officeDocument/2006/relationships" xmlns:p="http://schemas.openxmlformats.org/presentationml/2006/main">
+  <p:cSld>
+    <p:spTree>
+      <p:nvGrpSpPr>
+        <p:cNvPr id="1" name=""/>
+        <p:cNvGrpSpPr/>
+        <p:nvPr/>
+      </p:nvGrpSpPr>
+      <p:grpSpPr>
+        <a:xfrm>
+          <a:off x="0" y="0"/>
+          <a:ext cx="0" cy="0"/>
+          <a:chOff x="0" y="0"/>
+          <a:chExt cx="0" cy="0"/>
+        </a:xfrm>
+      </p:grpSpPr>
+      <p:sp>
+        <p:nvSpPr>
+          <p:cNvPr id="2" name="Slide Number Placeholder 1"/>
+          <p:cNvSpPr>
+            <a:spLocks noGrp="1"/>
+          </p:cNvSpPr>
+          <p:nvPr>
+            <p:ph type="sldNum" sz="quarter" idx="12"/>
+          </p:nvPr>
+        </p:nvSpPr>
+        <p:spPr/>
+        <p:txBody>
+          <a:bodyPr/>
+          <a:lstStyle/>
+          <a:p>
+            <a:fld id="{B32AB80A-78BA-6B42-BA0D-B44ACF890F5A}" type="slidenum">
+              <a:rPr lang="en-US" smtClean="0"/>
+              <a:t>14</a:t>
+            </a:fld>
+            <a:endParaRPr lang="en-US" dirty="0"/>
+          </a:p>
+        </p:txBody>
+      </p:sp>
+      <p:sp>
+        <p:nvSpPr>
+          <p:cNvPr id="4" name="Title 3"/>
+          <p:cNvSpPr>
+            <a:spLocks noGrp="1"/>
+          </p:cNvSpPr>
+          <p:nvPr>
+            <p:ph type="title"/>
+          </p:nvPr>
+        </p:nvSpPr>
+        <p:spPr/>
+        <p:txBody>
+          <a:bodyPr/>
+          <a:lstStyle/>
+          <a:p>
+            <a:r>
+              <a:rPr lang="en-US" dirty="0" smtClean="0"/>
               <a:t>Kubernetes Deploying First Application</a:t>
             </a:r>
             <a:endParaRPr lang="en-US" dirty="0"/>
@@ -3994,7 +4347,7 @@
 </p:sld>
 </file>
 
-<file path=ppt/slides/slide14.xml><?xml version="1.0" encoding="utf-8"?>
+<file path=ppt/slides/slide15.xml><?xml version="1.0" encoding="utf-8"?>
 <p:sld xmlns:a="http://schemas.openxmlformats.org/drawingml/2006/main" xmlns:r="http://schemas.openxmlformats.org/officeDocument/2006/relationships" xmlns:p="http://schemas.openxmlformats.org/presentationml/2006/main">
   <p:cSld>
     <p:spTree>
@@ -4028,7 +4381,7 @@
           <a:p>
             <a:fld id="{B32AB80A-78BA-6B42-BA0D-B44ACF890F5A}" type="slidenum">
               <a:rPr lang="en-US" smtClean="0"/>
-              <a:t>14</a:t>
+              <a:t>15</a:t>
             </a:fld>
             <a:endParaRPr lang="en-US" dirty="0"/>
           </a:p>
@@ -4054,8 +4407,8 @@
               <a:t>Kubernetes </a:t>
             </a:r>
             <a:r>
-              <a:rPr lang="en-US" dirty="0"/>
-              <a:t>Deploying First Application</a:t>
+              <a:rPr lang="en-US" dirty="0" smtClean="0"/>
+              <a:t>Volumes and Logging</a:t>
             </a:r>
             <a:endParaRPr lang="en-US" dirty="0"/>
           </a:p>
@@ -4270,8 +4623,34 @@
             </a:pPr>
             <a:r>
               <a:rPr lang="en-US" sz="1400" dirty="0" smtClean="0"/>
-              <a:t>Spring Boot Application with the following response</a:t>
-            </a:r>
+              <a:t>Spring Boot Application with the following </a:t>
+            </a:r>
+            <a:r>
+              <a:rPr lang="en-US" sz="1400" dirty="0" smtClean="0"/>
+              <a:t>response</a:t>
+            </a:r>
+          </a:p>
+          <a:p>
+            <a:pPr marL="285750" indent="-285750" algn="just">
+              <a:buFont typeface="Arial" panose="020B0604020202020204" pitchFamily="34" charset="0"/>
+              <a:buChar char="•"/>
+            </a:pPr>
+            <a:r>
+              <a:rPr lang="en-US" sz="1400" dirty="0" err="1" smtClean="0"/>
+              <a:t>MiniKube</a:t>
+            </a:r>
+            <a:r>
+              <a:rPr lang="en-US" sz="1400" dirty="0" smtClean="0"/>
+              <a:t> as development cluster ( Single Node Virtual System )</a:t>
+            </a:r>
+            <a:endParaRPr lang="en-US" sz="1400" dirty="0" smtClean="0"/>
+          </a:p>
+          <a:p>
+            <a:pPr marL="285750" indent="-285750" algn="just">
+              <a:buFont typeface="Arial" panose="020B0604020202020204" pitchFamily="34" charset="0"/>
+              <a:buChar char="•"/>
+            </a:pPr>
+            <a:endParaRPr lang="en-US" sz="1400" dirty="0" smtClean="0"/>
           </a:p>
           <a:p>
             <a:pPr marL="285750" indent="-285750" algn="just">
@@ -4306,348 +4685,7 @@
     </p:spTree>
     <p:extLst>
       <p:ext uri="{BB962C8B-B14F-4D97-AF65-F5344CB8AC3E}">
-        <p14:creationId xmlns:p14="http://schemas.microsoft.com/office/powerpoint/2010/main" val="939287624"/>
-      </p:ext>
-    </p:extLst>
-  </p:cSld>
-  <p:clrMapOvr>
-    <a:masterClrMapping/>
-  </p:clrMapOvr>
-  <p:timing>
-    <p:tnLst>
-      <p:par>
-        <p:cTn id="1" dur="indefinite" restart="never" nodeType="tmRoot"/>
-      </p:par>
-    </p:tnLst>
-  </p:timing>
-</p:sld>
-</file>
-
-<file path=ppt/slides/slide15.xml><?xml version="1.0" encoding="utf-8"?>
-<p:sld xmlns:a="http://schemas.openxmlformats.org/drawingml/2006/main" xmlns:r="http://schemas.openxmlformats.org/officeDocument/2006/relationships" xmlns:p="http://schemas.openxmlformats.org/presentationml/2006/main">
-  <p:cSld>
-    <p:spTree>
-      <p:nvGrpSpPr>
-        <p:cNvPr id="1" name=""/>
-        <p:cNvGrpSpPr/>
-        <p:nvPr/>
-      </p:nvGrpSpPr>
-      <p:grpSpPr>
-        <a:xfrm>
-          <a:off x="0" y="0"/>
-          <a:ext cx="0" cy="0"/>
-          <a:chOff x="0" y="0"/>
-          <a:chExt cx="0" cy="0"/>
-        </a:xfrm>
-      </p:grpSpPr>
-      <p:sp>
-        <p:nvSpPr>
-          <p:cNvPr id="2" name="Slide Number Placeholder 1"/>
-          <p:cNvSpPr>
-            <a:spLocks noGrp="1"/>
-          </p:cNvSpPr>
-          <p:nvPr>
-            <p:ph type="sldNum" sz="quarter" idx="12"/>
-          </p:nvPr>
-        </p:nvSpPr>
-        <p:spPr/>
-        <p:txBody>
-          <a:bodyPr/>
-          <a:lstStyle/>
-          <a:p>
-            <a:fld id="{B32AB80A-78BA-6B42-BA0D-B44ACF890F5A}" type="slidenum">
-              <a:rPr lang="en-US" smtClean="0"/>
-              <a:t>15</a:t>
-            </a:fld>
-            <a:endParaRPr lang="en-US" dirty="0"/>
-          </a:p>
-        </p:txBody>
-      </p:sp>
-      <p:sp>
-        <p:nvSpPr>
-          <p:cNvPr id="4" name="Title 3"/>
-          <p:cNvSpPr>
-            <a:spLocks noGrp="1"/>
-          </p:cNvSpPr>
-          <p:nvPr>
-            <p:ph type="title"/>
-          </p:nvPr>
-        </p:nvSpPr>
-        <p:spPr/>
-        <p:txBody>
-          <a:bodyPr/>
-          <a:lstStyle/>
-          <a:p>
-            <a:r>
-              <a:rPr lang="en-US" dirty="0" smtClean="0"/>
-              <a:t>Commercial </a:t>
-            </a:r>
-            <a:r>
-              <a:rPr lang="en-US" dirty="0" err="1" smtClean="0"/>
-              <a:t>Kubernetis</a:t>
-            </a:r>
-            <a:endParaRPr lang="en-US" dirty="0"/>
-          </a:p>
-        </p:txBody>
-      </p:sp>
-      <p:sp>
-        <p:nvSpPr>
-          <p:cNvPr id="7" name="Text Placeholder 2"/>
-          <p:cNvSpPr txBox="1">
-            <a:spLocks/>
-          </p:cNvSpPr>
-          <p:nvPr/>
-        </p:nvSpPr>
-        <p:spPr>
-          <a:xfrm>
-            <a:off x="44761" y="541901"/>
-            <a:ext cx="8915400" cy="4265440"/>
-          </a:xfrm>
-          <a:prstGeom prst="rect">
-            <a:avLst/>
-          </a:prstGeom>
-        </p:spPr>
-        <p:txBody>
-          <a:bodyPr vert="horz">
-            <a:normAutofit/>
-          </a:bodyPr>
-          <a:lstStyle>
-            <a:lvl1pPr marL="0" indent="0" algn="l" defTabSz="457200" rtl="0" eaLnBrk="1" latinLnBrk="0" hangingPunct="1">
-              <a:spcBef>
-                <a:spcPct val="20000"/>
-              </a:spcBef>
-              <a:buFont typeface="Arial"/>
-              <a:buNone/>
-              <a:defRPr sz="2400" kern="1200">
-                <a:solidFill>
-                  <a:schemeClr val="tx2"/>
-                </a:solidFill>
-                <a:latin typeface="+mn-lt"/>
-                <a:ea typeface="+mn-ea"/>
-                <a:cs typeface="+mn-cs"/>
-              </a:defRPr>
-            </a:lvl1pPr>
-            <a:lvl2pPr marL="396875" marR="0" indent="-171450" algn="l" defTabSz="457200" rtl="0" eaLnBrk="1" fontAlgn="auto" latinLnBrk="0" hangingPunct="1">
-              <a:lnSpc>
-                <a:spcPct val="100000"/>
-              </a:lnSpc>
-              <a:spcBef>
-                <a:spcPct val="20000"/>
-              </a:spcBef>
-              <a:spcAft>
-                <a:spcPts val="0"/>
-              </a:spcAft>
-              <a:buClr>
-                <a:srgbClr val="5E9A36"/>
-              </a:buClr>
-              <a:buSzTx/>
-              <a:buFont typeface="Wingdings" panose="05000000000000000000" pitchFamily="2" charset="2"/>
-              <a:buChar char="§"/>
-              <a:tabLst/>
-              <a:defRPr sz="2000" kern="1200">
-                <a:solidFill>
-                  <a:schemeClr val="tx2"/>
-                </a:solidFill>
-                <a:latin typeface="+mn-lt"/>
-                <a:ea typeface="+mn-ea"/>
-                <a:cs typeface="+mn-cs"/>
-              </a:defRPr>
-            </a:lvl2pPr>
-            <a:lvl3pPr marL="628650" marR="0" indent="-176213" algn="l" defTabSz="457200" rtl="0" eaLnBrk="1" fontAlgn="auto" latinLnBrk="0" hangingPunct="1">
-              <a:lnSpc>
-                <a:spcPct val="100000"/>
-              </a:lnSpc>
-              <a:spcBef>
-                <a:spcPct val="20000"/>
-              </a:spcBef>
-              <a:spcAft>
-                <a:spcPts val="0"/>
-              </a:spcAft>
-              <a:buClr>
-                <a:srgbClr val="5E9A36"/>
-              </a:buClr>
-              <a:buSzTx/>
-              <a:buFont typeface="Arial" panose="020B0604020202020204" pitchFamily="34" charset="0"/>
-              <a:buChar char="–"/>
-              <a:tabLst/>
-              <a:defRPr sz="1800" kern="1200">
-                <a:solidFill>
-                  <a:schemeClr val="tx2"/>
-                </a:solidFill>
-                <a:latin typeface="+mn-lt"/>
-                <a:ea typeface="+mn-ea"/>
-                <a:cs typeface="+mn-cs"/>
-              </a:defRPr>
-            </a:lvl3pPr>
-            <a:lvl4pPr marL="858838" marR="0" indent="-115888" algn="l" defTabSz="457200" rtl="0" eaLnBrk="1" fontAlgn="auto" latinLnBrk="0" hangingPunct="1">
-              <a:lnSpc>
-                <a:spcPct val="100000"/>
-              </a:lnSpc>
-              <a:spcBef>
-                <a:spcPct val="20000"/>
-              </a:spcBef>
-              <a:spcAft>
-                <a:spcPts val="0"/>
-              </a:spcAft>
-              <a:buClr>
-                <a:srgbClr val="5E9A36"/>
-              </a:buClr>
-              <a:buSzTx/>
-              <a:buFont typeface="Arial" panose="020B0604020202020204" pitchFamily="34" charset="0"/>
-              <a:buChar char="•"/>
-              <a:tabLst/>
-              <a:defRPr sz="1600" kern="1200">
-                <a:solidFill>
-                  <a:schemeClr val="tx2"/>
-                </a:solidFill>
-                <a:latin typeface="+mn-lt"/>
-                <a:ea typeface="+mn-ea"/>
-                <a:cs typeface="+mn-cs"/>
-              </a:defRPr>
-            </a:lvl4pPr>
-            <a:lvl5pPr marL="1144588" marR="0" indent="-176213" algn="l" defTabSz="457200" rtl="0" eaLnBrk="1" fontAlgn="auto" latinLnBrk="0" hangingPunct="1">
-              <a:lnSpc>
-                <a:spcPct val="100000"/>
-              </a:lnSpc>
-              <a:spcBef>
-                <a:spcPct val="20000"/>
-              </a:spcBef>
-              <a:spcAft>
-                <a:spcPts val="0"/>
-              </a:spcAft>
-              <a:buClr>
-                <a:srgbClr val="5E9A36"/>
-              </a:buClr>
-              <a:buSzTx/>
-              <a:buFont typeface="Arial"/>
-              <a:buChar char="»"/>
-              <a:tabLst/>
-              <a:defRPr sz="1600" kern="1200">
-                <a:solidFill>
-                  <a:schemeClr val="tx2"/>
-                </a:solidFill>
-                <a:latin typeface="+mn-lt"/>
-                <a:ea typeface="+mn-ea"/>
-                <a:cs typeface="+mn-cs"/>
-              </a:defRPr>
-            </a:lvl5pPr>
-            <a:lvl6pPr marL="2514600" indent="-228600" algn="l" defTabSz="457200" rtl="0" eaLnBrk="1" latinLnBrk="0" hangingPunct="1">
-              <a:spcBef>
-                <a:spcPct val="20000"/>
-              </a:spcBef>
-              <a:buFont typeface="Arial"/>
-              <a:buChar char="•"/>
-              <a:defRPr sz="2000" kern="1200">
-                <a:solidFill>
-                  <a:schemeClr val="tx1"/>
-                </a:solidFill>
-                <a:latin typeface="+mn-lt"/>
-                <a:ea typeface="+mn-ea"/>
-                <a:cs typeface="+mn-cs"/>
-              </a:defRPr>
-            </a:lvl6pPr>
-            <a:lvl7pPr marL="2971800" indent="-228600" algn="l" defTabSz="457200" rtl="0" eaLnBrk="1" latinLnBrk="0" hangingPunct="1">
-              <a:spcBef>
-                <a:spcPct val="20000"/>
-              </a:spcBef>
-              <a:buFont typeface="Arial"/>
-              <a:buChar char="•"/>
-              <a:defRPr sz="2000" kern="1200">
-                <a:solidFill>
-                  <a:schemeClr val="tx1"/>
-                </a:solidFill>
-                <a:latin typeface="+mn-lt"/>
-                <a:ea typeface="+mn-ea"/>
-                <a:cs typeface="+mn-cs"/>
-              </a:defRPr>
-            </a:lvl7pPr>
-            <a:lvl8pPr marL="3429000" indent="-228600" algn="l" defTabSz="457200" rtl="0" eaLnBrk="1" latinLnBrk="0" hangingPunct="1">
-              <a:spcBef>
-                <a:spcPct val="20000"/>
-              </a:spcBef>
-              <a:buFont typeface="Arial"/>
-              <a:buChar char="•"/>
-              <a:defRPr sz="2000" kern="1200">
-                <a:solidFill>
-                  <a:schemeClr val="tx1"/>
-                </a:solidFill>
-                <a:latin typeface="+mn-lt"/>
-                <a:ea typeface="+mn-ea"/>
-                <a:cs typeface="+mn-cs"/>
-              </a:defRPr>
-            </a:lvl8pPr>
-            <a:lvl9pPr marL="3886200" indent="-228600" algn="l" defTabSz="457200" rtl="0" eaLnBrk="1" latinLnBrk="0" hangingPunct="1">
-              <a:spcBef>
-                <a:spcPct val="20000"/>
-              </a:spcBef>
-              <a:buFont typeface="Arial"/>
-              <a:buChar char="•"/>
-              <a:defRPr sz="2000" kern="1200">
-                <a:solidFill>
-                  <a:schemeClr val="tx1"/>
-                </a:solidFill>
-                <a:latin typeface="+mn-lt"/>
-                <a:ea typeface="+mn-ea"/>
-                <a:cs typeface="+mn-cs"/>
-              </a:defRPr>
-            </a:lvl9pPr>
-          </a:lstStyle>
-          <a:p>
-            <a:pPr marL="285750" indent="-285750" algn="just">
-              <a:buFont typeface="Arial" panose="020B0604020202020204" pitchFamily="34" charset="0"/>
-              <a:buChar char="•"/>
-            </a:pPr>
-            <a:r>
-              <a:rPr lang="en-US" sz="1400" dirty="0" smtClean="0"/>
-              <a:t>Open Shift ( Red Hat ) – Used in Heritage </a:t>
-            </a:r>
-            <a:r>
-              <a:rPr lang="en-US" sz="1400" dirty="0" err="1" smtClean="0"/>
-              <a:t>Worldpay</a:t>
-            </a:r>
-            <a:endParaRPr lang="en-US" sz="1400" smtClean="0"/>
-          </a:p>
-          <a:p>
-            <a:pPr marL="285750" indent="-285750" algn="just">
-              <a:buFont typeface="Arial" panose="020B0604020202020204" pitchFamily="34" charset="0"/>
-              <a:buChar char="•"/>
-            </a:pPr>
-            <a:endParaRPr lang="en-US" sz="1400" dirty="0" smtClean="0"/>
-          </a:p>
-          <a:p>
-            <a:pPr marL="285750" indent="-285750" algn="just">
-              <a:buFont typeface="Arial" panose="020B0604020202020204" pitchFamily="34" charset="0"/>
-              <a:buChar char="•"/>
-            </a:pPr>
-            <a:endParaRPr lang="en-US" sz="1400" dirty="0" smtClean="0"/>
-          </a:p>
-          <a:p>
-            <a:pPr marL="285750" indent="-285750" algn="just">
-              <a:buFont typeface="Arial" panose="020B0604020202020204" pitchFamily="34" charset="0"/>
-              <a:buChar char="•"/>
-            </a:pPr>
-            <a:endParaRPr lang="en-US" sz="1400" dirty="0"/>
-          </a:p>
-          <a:p>
-            <a:pPr marL="285750" indent="-285750" algn="just">
-              <a:buFont typeface="Arial" panose="020B0604020202020204" pitchFamily="34" charset="0"/>
-              <a:buChar char="•"/>
-            </a:pPr>
-            <a:endParaRPr lang="en-US" sz="1400" dirty="0" smtClean="0"/>
-          </a:p>
-          <a:p>
-            <a:pPr marL="285750" indent="-285750" algn="just">
-              <a:buFont typeface="Arial" panose="020B0604020202020204" pitchFamily="34" charset="0"/>
-              <a:buChar char="•"/>
-            </a:pPr>
-            <a:endParaRPr lang="en-US" sz="1400" dirty="0"/>
-          </a:p>
-        </p:txBody>
-      </p:sp>
-    </p:spTree>
-    <p:extLst>
-      <p:ext uri="{BB962C8B-B14F-4D97-AF65-F5344CB8AC3E}">
-        <p14:creationId xmlns:p14="http://schemas.microsoft.com/office/powerpoint/2010/main" val="1313052407"/>
+        <p14:creationId xmlns:p14="http://schemas.microsoft.com/office/powerpoint/2010/main" val="2778723650"/>
       </p:ext>
     </p:extLst>
   </p:cSld>
@@ -4706,144 +4744,6 @@
       </p:sp>
       <p:sp>
         <p:nvSpPr>
-          <p:cNvPr id="3" name="Text Placeholder 2"/>
-          <p:cNvSpPr>
-            <a:spLocks noGrp="1"/>
-          </p:cNvSpPr>
-          <p:nvPr>
-            <p:ph type="body" sz="quarter" idx="13"/>
-          </p:nvPr>
-        </p:nvSpPr>
-        <p:spPr/>
-        <p:txBody>
-          <a:bodyPr>
-            <a:normAutofit/>
-          </a:bodyPr>
-          <a:lstStyle/>
-          <a:p>
-            <a:pPr marL="285750" indent="-285750">
-              <a:buClr>
-                <a:schemeClr val="tx1"/>
-              </a:buClr>
-              <a:buFont typeface="Wingdings" pitchFamily="2" charset="2"/>
-              <a:buChar char="ü"/>
-            </a:pPr>
-            <a:r>
-              <a:rPr lang="en-US" sz="1800" dirty="0">
-                <a:hlinkClick r:id="rId2"/>
-              </a:rPr>
-              <a:t>https://</a:t>
-            </a:r>
-            <a:r>
-              <a:rPr lang="en-US" sz="1800" dirty="0" smtClean="0">
-                <a:hlinkClick r:id="rId2"/>
-              </a:rPr>
-              <a:t>kafka.apache.org/intro</a:t>
-            </a:r>
-            <a:endParaRPr lang="en-US" sz="1800" dirty="0" smtClean="0"/>
-          </a:p>
-          <a:p>
-            <a:pPr marL="285750" indent="-285750">
-              <a:buClr>
-                <a:schemeClr val="tx1"/>
-              </a:buClr>
-              <a:buFont typeface="Wingdings" pitchFamily="2" charset="2"/>
-              <a:buChar char="ü"/>
-            </a:pPr>
-            <a:r>
-              <a:rPr lang="en-US" sz="1800" dirty="0">
-                <a:hlinkClick r:id="rId3"/>
-              </a:rPr>
-              <a:t>http://</a:t>
-            </a:r>
-            <a:r>
-              <a:rPr lang="en-US" sz="1800" dirty="0" smtClean="0">
-                <a:hlinkClick r:id="rId3"/>
-              </a:rPr>
-              <a:t>www.javaworld.com/article/3060078/big-data/big-data-messaging-with-kafka-part-1.html</a:t>
-            </a:r>
-            <a:endParaRPr lang="en-US" sz="1800" dirty="0" smtClean="0"/>
-          </a:p>
-          <a:p>
-            <a:pPr marL="285750" indent="-285750">
-              <a:buClr>
-                <a:schemeClr val="tx1"/>
-              </a:buClr>
-              <a:buFont typeface="Wingdings" pitchFamily="2" charset="2"/>
-              <a:buChar char="ü"/>
-            </a:pPr>
-            <a:r>
-              <a:rPr lang="en-US" sz="1800" dirty="0">
-                <a:hlinkClick r:id="rId4"/>
-              </a:rPr>
-              <a:t>https://www.confluent.io/blog</a:t>
-            </a:r>
-            <a:r>
-              <a:rPr lang="en-US" sz="1800" dirty="0" smtClean="0">
-                <a:hlinkClick r:id="rId4"/>
-              </a:rPr>
-              <a:t>/</a:t>
-            </a:r>
-            <a:endParaRPr lang="en-US" sz="1800" dirty="0" smtClean="0"/>
-          </a:p>
-          <a:p>
-            <a:pPr marL="285750" indent="-285750">
-              <a:buClr>
-                <a:schemeClr val="tx1"/>
-              </a:buClr>
-              <a:buFont typeface="Wingdings" pitchFamily="2" charset="2"/>
-              <a:buChar char="ü"/>
-            </a:pPr>
-            <a:r>
-              <a:rPr lang="en-US" sz="1800" dirty="0">
-                <a:hlinkClick r:id="rId5"/>
-              </a:rPr>
-              <a:t>http://</a:t>
-            </a:r>
-            <a:r>
-              <a:rPr lang="en-US" sz="1800" dirty="0" err="1">
-                <a:hlinkClick r:id="rId5"/>
-              </a:rPr>
-              <a:t>spark.apache.org</a:t>
-            </a:r>
-            <a:r>
-              <a:rPr lang="en-US" sz="1800" dirty="0">
-                <a:hlinkClick r:id="rId5"/>
-              </a:rPr>
-              <a:t>/docs/latest/</a:t>
-            </a:r>
-            <a:r>
-              <a:rPr lang="en-US" sz="1800" dirty="0" err="1">
-                <a:hlinkClick r:id="rId5"/>
-              </a:rPr>
-              <a:t>index.html</a:t>
-            </a:r>
-            <a:endParaRPr lang="en-US" sz="1800" dirty="0"/>
-          </a:p>
-          <a:p>
-            <a:pPr marL="285750" indent="-285750">
-              <a:buClr>
-                <a:schemeClr val="tx1"/>
-              </a:buClr>
-              <a:buFont typeface="Wingdings" pitchFamily="2" charset="2"/>
-              <a:buChar char="ü"/>
-            </a:pPr>
-            <a:endParaRPr lang="en-US" sz="1800" dirty="0" smtClean="0"/>
-          </a:p>
-          <a:p>
-            <a:pPr marL="285750" indent="-285750">
-              <a:buClr>
-                <a:schemeClr val="tx1"/>
-              </a:buClr>
-              <a:buFont typeface="Wingdings" pitchFamily="2" charset="2"/>
-              <a:buChar char="ü"/>
-            </a:pPr>
-            <a:endParaRPr lang="en-US" sz="1800" dirty="0"/>
-          </a:p>
-        </p:txBody>
-      </p:sp>
-      <p:sp>
-        <p:nvSpPr>
           <p:cNvPr id="4" name="Title 3"/>
           <p:cNvSpPr>
             <a:spLocks noGrp="1"/>
@@ -4859,16 +4759,288 @@
           <a:p>
             <a:r>
               <a:rPr lang="en-US" dirty="0" smtClean="0"/>
-              <a:t>Reference &amp; Links</a:t>
+              <a:t>Kubernetes </a:t>
+            </a:r>
+            <a:r>
+              <a:rPr lang="en-US" dirty="0" smtClean="0"/>
+              <a:t>CI/ CD – Blue Green Deployment</a:t>
             </a:r>
             <a:endParaRPr lang="en-US" dirty="0"/>
+          </a:p>
+        </p:txBody>
+      </p:sp>
+      <p:sp>
+        <p:nvSpPr>
+          <p:cNvPr id="7" name="Text Placeholder 2"/>
+          <p:cNvSpPr txBox="1">
+            <a:spLocks/>
+          </p:cNvSpPr>
+          <p:nvPr/>
+        </p:nvSpPr>
+        <p:spPr>
+          <a:xfrm>
+            <a:off x="44761" y="541901"/>
+            <a:ext cx="8915400" cy="4265440"/>
+          </a:xfrm>
+          <a:prstGeom prst="rect">
+            <a:avLst/>
+          </a:prstGeom>
+        </p:spPr>
+        <p:txBody>
+          <a:bodyPr vert="horz">
+            <a:normAutofit/>
+          </a:bodyPr>
+          <a:lstStyle>
+            <a:lvl1pPr marL="0" indent="0" algn="l" defTabSz="457200" rtl="0" eaLnBrk="1" latinLnBrk="0" hangingPunct="1">
+              <a:spcBef>
+                <a:spcPct val="20000"/>
+              </a:spcBef>
+              <a:buFont typeface="Arial"/>
+              <a:buNone/>
+              <a:defRPr sz="2400" kern="1200">
+                <a:solidFill>
+                  <a:schemeClr val="tx2"/>
+                </a:solidFill>
+                <a:latin typeface="+mn-lt"/>
+                <a:ea typeface="+mn-ea"/>
+                <a:cs typeface="+mn-cs"/>
+              </a:defRPr>
+            </a:lvl1pPr>
+            <a:lvl2pPr marL="396875" marR="0" indent="-171450" algn="l" defTabSz="457200" rtl="0" eaLnBrk="1" fontAlgn="auto" latinLnBrk="0" hangingPunct="1">
+              <a:lnSpc>
+                <a:spcPct val="100000"/>
+              </a:lnSpc>
+              <a:spcBef>
+                <a:spcPct val="20000"/>
+              </a:spcBef>
+              <a:spcAft>
+                <a:spcPts val="0"/>
+              </a:spcAft>
+              <a:buClr>
+                <a:srgbClr val="5E9A36"/>
+              </a:buClr>
+              <a:buSzTx/>
+              <a:buFont typeface="Wingdings" panose="05000000000000000000" pitchFamily="2" charset="2"/>
+              <a:buChar char="§"/>
+              <a:tabLst/>
+              <a:defRPr sz="2000" kern="1200">
+                <a:solidFill>
+                  <a:schemeClr val="tx2"/>
+                </a:solidFill>
+                <a:latin typeface="+mn-lt"/>
+                <a:ea typeface="+mn-ea"/>
+                <a:cs typeface="+mn-cs"/>
+              </a:defRPr>
+            </a:lvl2pPr>
+            <a:lvl3pPr marL="628650" marR="0" indent="-176213" algn="l" defTabSz="457200" rtl="0" eaLnBrk="1" fontAlgn="auto" latinLnBrk="0" hangingPunct="1">
+              <a:lnSpc>
+                <a:spcPct val="100000"/>
+              </a:lnSpc>
+              <a:spcBef>
+                <a:spcPct val="20000"/>
+              </a:spcBef>
+              <a:spcAft>
+                <a:spcPts val="0"/>
+              </a:spcAft>
+              <a:buClr>
+                <a:srgbClr val="5E9A36"/>
+              </a:buClr>
+              <a:buSzTx/>
+              <a:buFont typeface="Arial" panose="020B0604020202020204" pitchFamily="34" charset="0"/>
+              <a:buChar char="–"/>
+              <a:tabLst/>
+              <a:defRPr sz="1800" kern="1200">
+                <a:solidFill>
+                  <a:schemeClr val="tx2"/>
+                </a:solidFill>
+                <a:latin typeface="+mn-lt"/>
+                <a:ea typeface="+mn-ea"/>
+                <a:cs typeface="+mn-cs"/>
+              </a:defRPr>
+            </a:lvl3pPr>
+            <a:lvl4pPr marL="858838" marR="0" indent="-115888" algn="l" defTabSz="457200" rtl="0" eaLnBrk="1" fontAlgn="auto" latinLnBrk="0" hangingPunct="1">
+              <a:lnSpc>
+                <a:spcPct val="100000"/>
+              </a:lnSpc>
+              <a:spcBef>
+                <a:spcPct val="20000"/>
+              </a:spcBef>
+              <a:spcAft>
+                <a:spcPts val="0"/>
+              </a:spcAft>
+              <a:buClr>
+                <a:srgbClr val="5E9A36"/>
+              </a:buClr>
+              <a:buSzTx/>
+              <a:buFont typeface="Arial" panose="020B0604020202020204" pitchFamily="34" charset="0"/>
+              <a:buChar char="•"/>
+              <a:tabLst/>
+              <a:defRPr sz="1600" kern="1200">
+                <a:solidFill>
+                  <a:schemeClr val="tx2"/>
+                </a:solidFill>
+                <a:latin typeface="+mn-lt"/>
+                <a:ea typeface="+mn-ea"/>
+                <a:cs typeface="+mn-cs"/>
+              </a:defRPr>
+            </a:lvl4pPr>
+            <a:lvl5pPr marL="1144588" marR="0" indent="-176213" algn="l" defTabSz="457200" rtl="0" eaLnBrk="1" fontAlgn="auto" latinLnBrk="0" hangingPunct="1">
+              <a:lnSpc>
+                <a:spcPct val="100000"/>
+              </a:lnSpc>
+              <a:spcBef>
+                <a:spcPct val="20000"/>
+              </a:spcBef>
+              <a:spcAft>
+                <a:spcPts val="0"/>
+              </a:spcAft>
+              <a:buClr>
+                <a:srgbClr val="5E9A36"/>
+              </a:buClr>
+              <a:buSzTx/>
+              <a:buFont typeface="Arial"/>
+              <a:buChar char="»"/>
+              <a:tabLst/>
+              <a:defRPr sz="1600" kern="1200">
+                <a:solidFill>
+                  <a:schemeClr val="tx2"/>
+                </a:solidFill>
+                <a:latin typeface="+mn-lt"/>
+                <a:ea typeface="+mn-ea"/>
+                <a:cs typeface="+mn-cs"/>
+              </a:defRPr>
+            </a:lvl5pPr>
+            <a:lvl6pPr marL="2514600" indent="-228600" algn="l" defTabSz="457200" rtl="0" eaLnBrk="1" latinLnBrk="0" hangingPunct="1">
+              <a:spcBef>
+                <a:spcPct val="20000"/>
+              </a:spcBef>
+              <a:buFont typeface="Arial"/>
+              <a:buChar char="•"/>
+              <a:defRPr sz="2000" kern="1200">
+                <a:solidFill>
+                  <a:schemeClr val="tx1"/>
+                </a:solidFill>
+                <a:latin typeface="+mn-lt"/>
+                <a:ea typeface="+mn-ea"/>
+                <a:cs typeface="+mn-cs"/>
+              </a:defRPr>
+            </a:lvl6pPr>
+            <a:lvl7pPr marL="2971800" indent="-228600" algn="l" defTabSz="457200" rtl="0" eaLnBrk="1" latinLnBrk="0" hangingPunct="1">
+              <a:spcBef>
+                <a:spcPct val="20000"/>
+              </a:spcBef>
+              <a:buFont typeface="Arial"/>
+              <a:buChar char="•"/>
+              <a:defRPr sz="2000" kern="1200">
+                <a:solidFill>
+                  <a:schemeClr val="tx1"/>
+                </a:solidFill>
+                <a:latin typeface="+mn-lt"/>
+                <a:ea typeface="+mn-ea"/>
+                <a:cs typeface="+mn-cs"/>
+              </a:defRPr>
+            </a:lvl7pPr>
+            <a:lvl8pPr marL="3429000" indent="-228600" algn="l" defTabSz="457200" rtl="0" eaLnBrk="1" latinLnBrk="0" hangingPunct="1">
+              <a:spcBef>
+                <a:spcPct val="20000"/>
+              </a:spcBef>
+              <a:buFont typeface="Arial"/>
+              <a:buChar char="•"/>
+              <a:defRPr sz="2000" kern="1200">
+                <a:solidFill>
+                  <a:schemeClr val="tx1"/>
+                </a:solidFill>
+                <a:latin typeface="+mn-lt"/>
+                <a:ea typeface="+mn-ea"/>
+                <a:cs typeface="+mn-cs"/>
+              </a:defRPr>
+            </a:lvl8pPr>
+            <a:lvl9pPr marL="3886200" indent="-228600" algn="l" defTabSz="457200" rtl="0" eaLnBrk="1" latinLnBrk="0" hangingPunct="1">
+              <a:spcBef>
+                <a:spcPct val="20000"/>
+              </a:spcBef>
+              <a:buFont typeface="Arial"/>
+              <a:buChar char="•"/>
+              <a:defRPr sz="2000" kern="1200">
+                <a:solidFill>
+                  <a:schemeClr val="tx1"/>
+                </a:solidFill>
+                <a:latin typeface="+mn-lt"/>
+                <a:ea typeface="+mn-ea"/>
+                <a:cs typeface="+mn-cs"/>
+              </a:defRPr>
+            </a:lvl9pPr>
+          </a:lstStyle>
+          <a:p>
+            <a:pPr marL="285750" indent="-285750" algn="just">
+              <a:buFont typeface="Arial" panose="020B0604020202020204" pitchFamily="34" charset="0"/>
+              <a:buChar char="•"/>
+            </a:pPr>
+            <a:r>
+              <a:rPr lang="en-US" sz="1400" dirty="0" smtClean="0"/>
+              <a:t>Spring Boot Application with the following </a:t>
+            </a:r>
+            <a:r>
+              <a:rPr lang="en-US" sz="1400" dirty="0" smtClean="0"/>
+              <a:t>response</a:t>
+            </a:r>
+          </a:p>
+          <a:p>
+            <a:pPr marL="285750" indent="-285750" algn="just">
+              <a:buFont typeface="Arial" panose="020B0604020202020204" pitchFamily="34" charset="0"/>
+              <a:buChar char="•"/>
+            </a:pPr>
+            <a:r>
+              <a:rPr lang="en-US" sz="1400" dirty="0" err="1" smtClean="0"/>
+              <a:t>MiniKube</a:t>
+            </a:r>
+            <a:r>
+              <a:rPr lang="en-US" sz="1400" dirty="0" smtClean="0"/>
+              <a:t> as development cluster ( Single Node Virtual System )</a:t>
+            </a:r>
+            <a:endParaRPr lang="en-US" sz="1400" dirty="0" smtClean="0"/>
+          </a:p>
+          <a:p>
+            <a:pPr marL="285750" indent="-285750" algn="just">
+              <a:buFont typeface="Arial" panose="020B0604020202020204" pitchFamily="34" charset="0"/>
+              <a:buChar char="•"/>
+            </a:pPr>
+            <a:endParaRPr lang="en-US" sz="1400" dirty="0" smtClean="0"/>
+          </a:p>
+          <a:p>
+            <a:pPr marL="285750" indent="-285750" algn="just">
+              <a:buFont typeface="Arial" panose="020B0604020202020204" pitchFamily="34" charset="0"/>
+              <a:buChar char="•"/>
+            </a:pPr>
+            <a:endParaRPr lang="en-US" sz="1400" dirty="0" smtClean="0"/>
+          </a:p>
+          <a:p>
+            <a:pPr marL="285750" indent="-285750" algn="just">
+              <a:buFont typeface="Arial" panose="020B0604020202020204" pitchFamily="34" charset="0"/>
+              <a:buChar char="•"/>
+            </a:pPr>
+            <a:endParaRPr lang="en-US" sz="1400" dirty="0"/>
+          </a:p>
+          <a:p>
+            <a:pPr marL="285750" indent="-285750" algn="just">
+              <a:buFont typeface="Arial" panose="020B0604020202020204" pitchFamily="34" charset="0"/>
+              <a:buChar char="•"/>
+            </a:pPr>
+            <a:endParaRPr lang="en-US" sz="1400" dirty="0" smtClean="0"/>
+          </a:p>
+          <a:p>
+            <a:pPr marL="285750" indent="-285750" algn="just">
+              <a:buFont typeface="Arial" panose="020B0604020202020204" pitchFamily="34" charset="0"/>
+              <a:buChar char="•"/>
+            </a:pPr>
+            <a:endParaRPr lang="en-US" sz="1400" dirty="0"/>
           </a:p>
         </p:txBody>
       </p:sp>
     </p:spTree>
     <p:extLst>
       <p:ext uri="{BB962C8B-B14F-4D97-AF65-F5344CB8AC3E}">
-        <p14:creationId xmlns:p14="http://schemas.microsoft.com/office/powerpoint/2010/main" val="318448969"/>
+        <p14:creationId xmlns:p14="http://schemas.microsoft.com/office/powerpoint/2010/main" val="2123749467"/>
       </p:ext>
     </p:extLst>
   </p:cSld>
@@ -4909,27 +5081,16 @@
             <a:spLocks noGrp="1"/>
           </p:cNvSpPr>
           <p:nvPr>
-            <p:ph type="sldNum" sz="quarter" idx="4294967295"/>
+            <p:ph type="sldNum" sz="quarter" idx="12"/>
           </p:nvPr>
         </p:nvSpPr>
-        <p:spPr>
-          <a:xfrm>
-            <a:off x="0" y="4830763"/>
-            <a:ext cx="457200" cy="342900"/>
-          </a:xfrm>
-        </p:spPr>
+        <p:spPr/>
         <p:txBody>
           <a:bodyPr/>
           <a:lstStyle/>
           <a:p>
-            <a:pPr>
-              <a:defRPr/>
-            </a:pPr>
-            <a:fld id="{F6B0337D-C648-436D-981E-56AD61F63D5F}" type="slidenum">
+            <a:fld id="{B32AB80A-78BA-6B42-BA0D-B44ACF890F5A}" type="slidenum">
               <a:rPr lang="en-US" smtClean="0"/>
-              <a:pPr>
-                <a:defRPr/>
-              </a:pPr>
               <a:t>17</a:t>
             </a:fld>
             <a:endParaRPr lang="en-US" dirty="0"/>
@@ -4938,48 +5099,812 @@
       </p:sp>
       <p:sp>
         <p:nvSpPr>
-          <p:cNvPr id="7" name="Rectangle 6"/>
-          <p:cNvSpPr/>
+          <p:cNvPr id="4" name="Title 3"/>
+          <p:cNvSpPr>
+            <a:spLocks noGrp="1"/>
+          </p:cNvSpPr>
+          <p:nvPr>
+            <p:ph type="title"/>
+          </p:nvPr>
+        </p:nvSpPr>
+        <p:spPr/>
+        <p:txBody>
+          <a:bodyPr/>
+          <a:lstStyle/>
+          <a:p>
+            <a:r>
+              <a:rPr lang="en-US" dirty="0" smtClean="0"/>
+              <a:t>Kubernetes </a:t>
+            </a:r>
+            <a:r>
+              <a:rPr lang="en-US" smtClean="0"/>
+              <a:t>Advanced Topics</a:t>
+            </a:r>
+            <a:endParaRPr lang="en-US" dirty="0"/>
+          </a:p>
+        </p:txBody>
+      </p:sp>
+      <p:sp>
+        <p:nvSpPr>
+          <p:cNvPr id="7" name="Text Placeholder 2"/>
+          <p:cNvSpPr txBox="1">
+            <a:spLocks/>
+          </p:cNvSpPr>
           <p:nvPr/>
         </p:nvSpPr>
         <p:spPr>
           <a:xfrm>
-            <a:off x="3016250" y="2005081"/>
-            <a:ext cx="2861161" cy="707886"/>
+            <a:off x="44761" y="541901"/>
+            <a:ext cx="8915400" cy="4265440"/>
           </a:xfrm>
           <a:prstGeom prst="rect">
             <a:avLst/>
           </a:prstGeom>
         </p:spPr>
         <p:txBody>
-          <a:bodyPr wrap="square">
-            <a:spAutoFit/>
+          <a:bodyPr vert="horz">
+            <a:normAutofit/>
           </a:bodyPr>
-          <a:lstStyle/>
-          <a:p>
-            <a:pPr marL="171450" algn="r"/>
-            <a:r>
-              <a:rPr lang="en-US" sz="4000" dirty="0">
-                <a:solidFill>
-                  <a:schemeClr val="bg2"/>
-                </a:solidFill>
-              </a:rPr>
-              <a:t>Thank You </a:t>
-            </a:r>
+          <a:lstStyle>
+            <a:lvl1pPr marL="0" indent="0" algn="l" defTabSz="457200" rtl="0" eaLnBrk="1" latinLnBrk="0" hangingPunct="1">
+              <a:spcBef>
+                <a:spcPct val="20000"/>
+              </a:spcBef>
+              <a:buFont typeface="Arial"/>
+              <a:buNone/>
+              <a:defRPr sz="2400" kern="1200">
+                <a:solidFill>
+                  <a:schemeClr val="tx2"/>
+                </a:solidFill>
+                <a:latin typeface="+mn-lt"/>
+                <a:ea typeface="+mn-ea"/>
+                <a:cs typeface="+mn-cs"/>
+              </a:defRPr>
+            </a:lvl1pPr>
+            <a:lvl2pPr marL="396875" marR="0" indent="-171450" algn="l" defTabSz="457200" rtl="0" eaLnBrk="1" fontAlgn="auto" latinLnBrk="0" hangingPunct="1">
+              <a:lnSpc>
+                <a:spcPct val="100000"/>
+              </a:lnSpc>
+              <a:spcBef>
+                <a:spcPct val="20000"/>
+              </a:spcBef>
+              <a:spcAft>
+                <a:spcPts val="0"/>
+              </a:spcAft>
+              <a:buClr>
+                <a:srgbClr val="5E9A36"/>
+              </a:buClr>
+              <a:buSzTx/>
+              <a:buFont typeface="Wingdings" panose="05000000000000000000" pitchFamily="2" charset="2"/>
+              <a:buChar char="§"/>
+              <a:tabLst/>
+              <a:defRPr sz="2000" kern="1200">
+                <a:solidFill>
+                  <a:schemeClr val="tx2"/>
+                </a:solidFill>
+                <a:latin typeface="+mn-lt"/>
+                <a:ea typeface="+mn-ea"/>
+                <a:cs typeface="+mn-cs"/>
+              </a:defRPr>
+            </a:lvl2pPr>
+            <a:lvl3pPr marL="628650" marR="0" indent="-176213" algn="l" defTabSz="457200" rtl="0" eaLnBrk="1" fontAlgn="auto" latinLnBrk="0" hangingPunct="1">
+              <a:lnSpc>
+                <a:spcPct val="100000"/>
+              </a:lnSpc>
+              <a:spcBef>
+                <a:spcPct val="20000"/>
+              </a:spcBef>
+              <a:spcAft>
+                <a:spcPts val="0"/>
+              </a:spcAft>
+              <a:buClr>
+                <a:srgbClr val="5E9A36"/>
+              </a:buClr>
+              <a:buSzTx/>
+              <a:buFont typeface="Arial" panose="020B0604020202020204" pitchFamily="34" charset="0"/>
+              <a:buChar char="–"/>
+              <a:tabLst/>
+              <a:defRPr sz="1800" kern="1200">
+                <a:solidFill>
+                  <a:schemeClr val="tx2"/>
+                </a:solidFill>
+                <a:latin typeface="+mn-lt"/>
+                <a:ea typeface="+mn-ea"/>
+                <a:cs typeface="+mn-cs"/>
+              </a:defRPr>
+            </a:lvl3pPr>
+            <a:lvl4pPr marL="858838" marR="0" indent="-115888" algn="l" defTabSz="457200" rtl="0" eaLnBrk="1" fontAlgn="auto" latinLnBrk="0" hangingPunct="1">
+              <a:lnSpc>
+                <a:spcPct val="100000"/>
+              </a:lnSpc>
+              <a:spcBef>
+                <a:spcPct val="20000"/>
+              </a:spcBef>
+              <a:spcAft>
+                <a:spcPts val="0"/>
+              </a:spcAft>
+              <a:buClr>
+                <a:srgbClr val="5E9A36"/>
+              </a:buClr>
+              <a:buSzTx/>
+              <a:buFont typeface="Arial" panose="020B0604020202020204" pitchFamily="34" charset="0"/>
+              <a:buChar char="•"/>
+              <a:tabLst/>
+              <a:defRPr sz="1600" kern="1200">
+                <a:solidFill>
+                  <a:schemeClr val="tx2"/>
+                </a:solidFill>
+                <a:latin typeface="+mn-lt"/>
+                <a:ea typeface="+mn-ea"/>
+                <a:cs typeface="+mn-cs"/>
+              </a:defRPr>
+            </a:lvl4pPr>
+            <a:lvl5pPr marL="1144588" marR="0" indent="-176213" algn="l" defTabSz="457200" rtl="0" eaLnBrk="1" fontAlgn="auto" latinLnBrk="0" hangingPunct="1">
+              <a:lnSpc>
+                <a:spcPct val="100000"/>
+              </a:lnSpc>
+              <a:spcBef>
+                <a:spcPct val="20000"/>
+              </a:spcBef>
+              <a:spcAft>
+                <a:spcPts val="0"/>
+              </a:spcAft>
+              <a:buClr>
+                <a:srgbClr val="5E9A36"/>
+              </a:buClr>
+              <a:buSzTx/>
+              <a:buFont typeface="Arial"/>
+              <a:buChar char="»"/>
+              <a:tabLst/>
+              <a:defRPr sz="1600" kern="1200">
+                <a:solidFill>
+                  <a:schemeClr val="tx2"/>
+                </a:solidFill>
+                <a:latin typeface="+mn-lt"/>
+                <a:ea typeface="+mn-ea"/>
+                <a:cs typeface="+mn-cs"/>
+              </a:defRPr>
+            </a:lvl5pPr>
+            <a:lvl6pPr marL="2514600" indent="-228600" algn="l" defTabSz="457200" rtl="0" eaLnBrk="1" latinLnBrk="0" hangingPunct="1">
+              <a:spcBef>
+                <a:spcPct val="20000"/>
+              </a:spcBef>
+              <a:buFont typeface="Arial"/>
+              <a:buChar char="•"/>
+              <a:defRPr sz="2000" kern="1200">
+                <a:solidFill>
+                  <a:schemeClr val="tx1"/>
+                </a:solidFill>
+                <a:latin typeface="+mn-lt"/>
+                <a:ea typeface="+mn-ea"/>
+                <a:cs typeface="+mn-cs"/>
+              </a:defRPr>
+            </a:lvl6pPr>
+            <a:lvl7pPr marL="2971800" indent="-228600" algn="l" defTabSz="457200" rtl="0" eaLnBrk="1" latinLnBrk="0" hangingPunct="1">
+              <a:spcBef>
+                <a:spcPct val="20000"/>
+              </a:spcBef>
+              <a:buFont typeface="Arial"/>
+              <a:buChar char="•"/>
+              <a:defRPr sz="2000" kern="1200">
+                <a:solidFill>
+                  <a:schemeClr val="tx1"/>
+                </a:solidFill>
+                <a:latin typeface="+mn-lt"/>
+                <a:ea typeface="+mn-ea"/>
+                <a:cs typeface="+mn-cs"/>
+              </a:defRPr>
+            </a:lvl7pPr>
+            <a:lvl8pPr marL="3429000" indent="-228600" algn="l" defTabSz="457200" rtl="0" eaLnBrk="1" latinLnBrk="0" hangingPunct="1">
+              <a:spcBef>
+                <a:spcPct val="20000"/>
+              </a:spcBef>
+              <a:buFont typeface="Arial"/>
+              <a:buChar char="•"/>
+              <a:defRPr sz="2000" kern="1200">
+                <a:solidFill>
+                  <a:schemeClr val="tx1"/>
+                </a:solidFill>
+                <a:latin typeface="+mn-lt"/>
+                <a:ea typeface="+mn-ea"/>
+                <a:cs typeface="+mn-cs"/>
+              </a:defRPr>
+            </a:lvl8pPr>
+            <a:lvl9pPr marL="3886200" indent="-228600" algn="l" defTabSz="457200" rtl="0" eaLnBrk="1" latinLnBrk="0" hangingPunct="1">
+              <a:spcBef>
+                <a:spcPct val="20000"/>
+              </a:spcBef>
+              <a:buFont typeface="Arial"/>
+              <a:buChar char="•"/>
+              <a:defRPr sz="2000" kern="1200">
+                <a:solidFill>
+                  <a:schemeClr val="tx1"/>
+                </a:solidFill>
+                <a:latin typeface="+mn-lt"/>
+                <a:ea typeface="+mn-ea"/>
+                <a:cs typeface="+mn-cs"/>
+              </a:defRPr>
+            </a:lvl9pPr>
+          </a:lstStyle>
+          <a:p>
+            <a:pPr marL="285750" indent="-285750" algn="just">
+              <a:buFont typeface="Arial" panose="020B0604020202020204" pitchFamily="34" charset="0"/>
+              <a:buChar char="•"/>
+            </a:pPr>
+            <a:r>
+              <a:rPr lang="en-US" sz="1400" dirty="0" smtClean="0"/>
+              <a:t>Auto scaling</a:t>
+            </a:r>
+            <a:endParaRPr lang="en-US" sz="1400" dirty="0"/>
+          </a:p>
+          <a:p>
+            <a:pPr marL="285750" indent="-285750" algn="just">
+              <a:buFont typeface="Arial" panose="020B0604020202020204" pitchFamily="34" charset="0"/>
+              <a:buChar char="•"/>
+            </a:pPr>
+            <a:r>
+              <a:rPr lang="en-US" sz="1400" dirty="0" smtClean="0"/>
+              <a:t>Persistent Volumes</a:t>
+            </a:r>
+          </a:p>
+          <a:p>
+            <a:pPr marL="285750" indent="-285750" algn="just">
+              <a:buFont typeface="Arial" panose="020B0604020202020204" pitchFamily="34" charset="0"/>
+              <a:buChar char="•"/>
+            </a:pPr>
+            <a:r>
+              <a:rPr lang="en-US" sz="1400" dirty="0" err="1" smtClean="0"/>
+              <a:t>Stateful</a:t>
+            </a:r>
+            <a:r>
+              <a:rPr lang="en-US" sz="1400" dirty="0" smtClean="0"/>
+              <a:t> Replica Sets</a:t>
+            </a:r>
+          </a:p>
+          <a:p>
+            <a:pPr marL="285750" indent="-285750" algn="just">
+              <a:buFont typeface="Arial" panose="020B0604020202020204" pitchFamily="34" charset="0"/>
+              <a:buChar char="•"/>
+            </a:pPr>
+            <a:endParaRPr lang="en-US" sz="1400" dirty="0" smtClean="0"/>
+          </a:p>
+          <a:p>
+            <a:pPr marL="285750" indent="-285750" algn="just">
+              <a:buFont typeface="Arial" panose="020B0604020202020204" pitchFamily="34" charset="0"/>
+              <a:buChar char="•"/>
+            </a:pPr>
+            <a:endParaRPr lang="en-US" sz="1400" dirty="0" smtClean="0"/>
+          </a:p>
+          <a:p>
+            <a:pPr marL="285750" indent="-285750" algn="just">
+              <a:buFont typeface="Arial" panose="020B0604020202020204" pitchFamily="34" charset="0"/>
+              <a:buChar char="•"/>
+            </a:pPr>
+            <a:endParaRPr lang="en-US" sz="1400" dirty="0"/>
+          </a:p>
+          <a:p>
+            <a:pPr marL="285750" indent="-285750" algn="just">
+              <a:buFont typeface="Arial" panose="020B0604020202020204" pitchFamily="34" charset="0"/>
+              <a:buChar char="•"/>
+            </a:pPr>
+            <a:endParaRPr lang="en-US" sz="1400" dirty="0" smtClean="0"/>
+          </a:p>
+          <a:p>
+            <a:pPr marL="285750" indent="-285750" algn="just">
+              <a:buFont typeface="Arial" panose="020B0604020202020204" pitchFamily="34" charset="0"/>
+              <a:buChar char="•"/>
+            </a:pPr>
+            <a:endParaRPr lang="en-US" sz="1400" dirty="0"/>
           </a:p>
         </p:txBody>
       </p:sp>
     </p:spTree>
     <p:extLst>
       <p:ext uri="{BB962C8B-B14F-4D97-AF65-F5344CB8AC3E}">
-        <p14:creationId xmlns:p14="http://schemas.microsoft.com/office/powerpoint/2010/main" val="550683661"/>
+        <p14:creationId xmlns:p14="http://schemas.microsoft.com/office/powerpoint/2010/main" val="3995038865"/>
       </p:ext>
     </p:extLst>
   </p:cSld>
   <p:clrMapOvr>
     <a:masterClrMapping/>
   </p:clrMapOvr>
-  <p:transition/>
+  <p:timing>
+    <p:tnLst>
+      <p:par>
+        <p:cTn id="1" dur="indefinite" restart="never" nodeType="tmRoot"/>
+      </p:par>
+    </p:tnLst>
+  </p:timing>
+</p:sld>
+</file>
+
+<file path=ppt/slides/slide18.xml><?xml version="1.0" encoding="utf-8"?>
+<p:sld xmlns:a="http://schemas.openxmlformats.org/drawingml/2006/main" xmlns:r="http://schemas.openxmlformats.org/officeDocument/2006/relationships" xmlns:p="http://schemas.openxmlformats.org/presentationml/2006/main">
+  <p:cSld>
+    <p:spTree>
+      <p:nvGrpSpPr>
+        <p:cNvPr id="1" name=""/>
+        <p:cNvGrpSpPr/>
+        <p:nvPr/>
+      </p:nvGrpSpPr>
+      <p:grpSpPr>
+        <a:xfrm>
+          <a:off x="0" y="0"/>
+          <a:ext cx="0" cy="0"/>
+          <a:chOff x="0" y="0"/>
+          <a:chExt cx="0" cy="0"/>
+        </a:xfrm>
+      </p:grpSpPr>
+      <p:sp>
+        <p:nvSpPr>
+          <p:cNvPr id="2" name="Slide Number Placeholder 1"/>
+          <p:cNvSpPr>
+            <a:spLocks noGrp="1"/>
+          </p:cNvSpPr>
+          <p:nvPr>
+            <p:ph type="sldNum" sz="quarter" idx="12"/>
+          </p:nvPr>
+        </p:nvSpPr>
+        <p:spPr/>
+        <p:txBody>
+          <a:bodyPr/>
+          <a:lstStyle/>
+          <a:p>
+            <a:fld id="{B32AB80A-78BA-6B42-BA0D-B44ACF890F5A}" type="slidenum">
+              <a:rPr lang="en-US" smtClean="0"/>
+              <a:t>18</a:t>
+            </a:fld>
+            <a:endParaRPr lang="en-US" dirty="0"/>
+          </a:p>
+        </p:txBody>
+      </p:sp>
+      <p:sp>
+        <p:nvSpPr>
+          <p:cNvPr id="4" name="Title 3"/>
+          <p:cNvSpPr>
+            <a:spLocks noGrp="1"/>
+          </p:cNvSpPr>
+          <p:nvPr>
+            <p:ph type="title"/>
+          </p:nvPr>
+        </p:nvSpPr>
+        <p:spPr/>
+        <p:txBody>
+          <a:bodyPr/>
+          <a:lstStyle/>
+          <a:p>
+            <a:r>
+              <a:rPr lang="en-US" dirty="0" smtClean="0"/>
+              <a:t>Commercial </a:t>
+            </a:r>
+            <a:r>
+              <a:rPr lang="en-US" dirty="0" smtClean="0"/>
+              <a:t>Kubernetes</a:t>
+            </a:r>
+            <a:endParaRPr lang="en-US" dirty="0"/>
+          </a:p>
+        </p:txBody>
+      </p:sp>
+      <p:sp>
+        <p:nvSpPr>
+          <p:cNvPr id="7" name="Text Placeholder 2"/>
+          <p:cNvSpPr txBox="1">
+            <a:spLocks/>
+          </p:cNvSpPr>
+          <p:nvPr/>
+        </p:nvSpPr>
+        <p:spPr>
+          <a:xfrm>
+            <a:off x="44761" y="541901"/>
+            <a:ext cx="8915400" cy="4265440"/>
+          </a:xfrm>
+          <a:prstGeom prst="rect">
+            <a:avLst/>
+          </a:prstGeom>
+        </p:spPr>
+        <p:txBody>
+          <a:bodyPr vert="horz">
+            <a:normAutofit/>
+          </a:bodyPr>
+          <a:lstStyle>
+            <a:lvl1pPr marL="0" indent="0" algn="l" defTabSz="457200" rtl="0" eaLnBrk="1" latinLnBrk="0" hangingPunct="1">
+              <a:spcBef>
+                <a:spcPct val="20000"/>
+              </a:spcBef>
+              <a:buFont typeface="Arial"/>
+              <a:buNone/>
+              <a:defRPr sz="2400" kern="1200">
+                <a:solidFill>
+                  <a:schemeClr val="tx2"/>
+                </a:solidFill>
+                <a:latin typeface="+mn-lt"/>
+                <a:ea typeface="+mn-ea"/>
+                <a:cs typeface="+mn-cs"/>
+              </a:defRPr>
+            </a:lvl1pPr>
+            <a:lvl2pPr marL="396875" marR="0" indent="-171450" algn="l" defTabSz="457200" rtl="0" eaLnBrk="1" fontAlgn="auto" latinLnBrk="0" hangingPunct="1">
+              <a:lnSpc>
+                <a:spcPct val="100000"/>
+              </a:lnSpc>
+              <a:spcBef>
+                <a:spcPct val="20000"/>
+              </a:spcBef>
+              <a:spcAft>
+                <a:spcPts val="0"/>
+              </a:spcAft>
+              <a:buClr>
+                <a:srgbClr val="5E9A36"/>
+              </a:buClr>
+              <a:buSzTx/>
+              <a:buFont typeface="Wingdings" panose="05000000000000000000" pitchFamily="2" charset="2"/>
+              <a:buChar char="§"/>
+              <a:tabLst/>
+              <a:defRPr sz="2000" kern="1200">
+                <a:solidFill>
+                  <a:schemeClr val="tx2"/>
+                </a:solidFill>
+                <a:latin typeface="+mn-lt"/>
+                <a:ea typeface="+mn-ea"/>
+                <a:cs typeface="+mn-cs"/>
+              </a:defRPr>
+            </a:lvl2pPr>
+            <a:lvl3pPr marL="628650" marR="0" indent="-176213" algn="l" defTabSz="457200" rtl="0" eaLnBrk="1" fontAlgn="auto" latinLnBrk="0" hangingPunct="1">
+              <a:lnSpc>
+                <a:spcPct val="100000"/>
+              </a:lnSpc>
+              <a:spcBef>
+                <a:spcPct val="20000"/>
+              </a:spcBef>
+              <a:spcAft>
+                <a:spcPts val="0"/>
+              </a:spcAft>
+              <a:buClr>
+                <a:srgbClr val="5E9A36"/>
+              </a:buClr>
+              <a:buSzTx/>
+              <a:buFont typeface="Arial" panose="020B0604020202020204" pitchFamily="34" charset="0"/>
+              <a:buChar char="–"/>
+              <a:tabLst/>
+              <a:defRPr sz="1800" kern="1200">
+                <a:solidFill>
+                  <a:schemeClr val="tx2"/>
+                </a:solidFill>
+                <a:latin typeface="+mn-lt"/>
+                <a:ea typeface="+mn-ea"/>
+                <a:cs typeface="+mn-cs"/>
+              </a:defRPr>
+            </a:lvl3pPr>
+            <a:lvl4pPr marL="858838" marR="0" indent="-115888" algn="l" defTabSz="457200" rtl="0" eaLnBrk="1" fontAlgn="auto" latinLnBrk="0" hangingPunct="1">
+              <a:lnSpc>
+                <a:spcPct val="100000"/>
+              </a:lnSpc>
+              <a:spcBef>
+                <a:spcPct val="20000"/>
+              </a:spcBef>
+              <a:spcAft>
+                <a:spcPts val="0"/>
+              </a:spcAft>
+              <a:buClr>
+                <a:srgbClr val="5E9A36"/>
+              </a:buClr>
+              <a:buSzTx/>
+              <a:buFont typeface="Arial" panose="020B0604020202020204" pitchFamily="34" charset="0"/>
+              <a:buChar char="•"/>
+              <a:tabLst/>
+              <a:defRPr sz="1600" kern="1200">
+                <a:solidFill>
+                  <a:schemeClr val="tx2"/>
+                </a:solidFill>
+                <a:latin typeface="+mn-lt"/>
+                <a:ea typeface="+mn-ea"/>
+                <a:cs typeface="+mn-cs"/>
+              </a:defRPr>
+            </a:lvl4pPr>
+            <a:lvl5pPr marL="1144588" marR="0" indent="-176213" algn="l" defTabSz="457200" rtl="0" eaLnBrk="1" fontAlgn="auto" latinLnBrk="0" hangingPunct="1">
+              <a:lnSpc>
+                <a:spcPct val="100000"/>
+              </a:lnSpc>
+              <a:spcBef>
+                <a:spcPct val="20000"/>
+              </a:spcBef>
+              <a:spcAft>
+                <a:spcPts val="0"/>
+              </a:spcAft>
+              <a:buClr>
+                <a:srgbClr val="5E9A36"/>
+              </a:buClr>
+              <a:buSzTx/>
+              <a:buFont typeface="Arial"/>
+              <a:buChar char="»"/>
+              <a:tabLst/>
+              <a:defRPr sz="1600" kern="1200">
+                <a:solidFill>
+                  <a:schemeClr val="tx2"/>
+                </a:solidFill>
+                <a:latin typeface="+mn-lt"/>
+                <a:ea typeface="+mn-ea"/>
+                <a:cs typeface="+mn-cs"/>
+              </a:defRPr>
+            </a:lvl5pPr>
+            <a:lvl6pPr marL="2514600" indent="-228600" algn="l" defTabSz="457200" rtl="0" eaLnBrk="1" latinLnBrk="0" hangingPunct="1">
+              <a:spcBef>
+                <a:spcPct val="20000"/>
+              </a:spcBef>
+              <a:buFont typeface="Arial"/>
+              <a:buChar char="•"/>
+              <a:defRPr sz="2000" kern="1200">
+                <a:solidFill>
+                  <a:schemeClr val="tx1"/>
+                </a:solidFill>
+                <a:latin typeface="+mn-lt"/>
+                <a:ea typeface="+mn-ea"/>
+                <a:cs typeface="+mn-cs"/>
+              </a:defRPr>
+            </a:lvl6pPr>
+            <a:lvl7pPr marL="2971800" indent="-228600" algn="l" defTabSz="457200" rtl="0" eaLnBrk="1" latinLnBrk="0" hangingPunct="1">
+              <a:spcBef>
+                <a:spcPct val="20000"/>
+              </a:spcBef>
+              <a:buFont typeface="Arial"/>
+              <a:buChar char="•"/>
+              <a:defRPr sz="2000" kern="1200">
+                <a:solidFill>
+                  <a:schemeClr val="tx1"/>
+                </a:solidFill>
+                <a:latin typeface="+mn-lt"/>
+                <a:ea typeface="+mn-ea"/>
+                <a:cs typeface="+mn-cs"/>
+              </a:defRPr>
+            </a:lvl7pPr>
+            <a:lvl8pPr marL="3429000" indent="-228600" algn="l" defTabSz="457200" rtl="0" eaLnBrk="1" latinLnBrk="0" hangingPunct="1">
+              <a:spcBef>
+                <a:spcPct val="20000"/>
+              </a:spcBef>
+              <a:buFont typeface="Arial"/>
+              <a:buChar char="•"/>
+              <a:defRPr sz="2000" kern="1200">
+                <a:solidFill>
+                  <a:schemeClr val="tx1"/>
+                </a:solidFill>
+                <a:latin typeface="+mn-lt"/>
+                <a:ea typeface="+mn-ea"/>
+                <a:cs typeface="+mn-cs"/>
+              </a:defRPr>
+            </a:lvl8pPr>
+            <a:lvl9pPr marL="3886200" indent="-228600" algn="l" defTabSz="457200" rtl="0" eaLnBrk="1" latinLnBrk="0" hangingPunct="1">
+              <a:spcBef>
+                <a:spcPct val="20000"/>
+              </a:spcBef>
+              <a:buFont typeface="Arial"/>
+              <a:buChar char="•"/>
+              <a:defRPr sz="2000" kern="1200">
+                <a:solidFill>
+                  <a:schemeClr val="tx1"/>
+                </a:solidFill>
+                <a:latin typeface="+mn-lt"/>
+                <a:ea typeface="+mn-ea"/>
+                <a:cs typeface="+mn-cs"/>
+              </a:defRPr>
+            </a:lvl9pPr>
+          </a:lstStyle>
+          <a:p>
+            <a:pPr marL="285750" indent="-285750" algn="just">
+              <a:buFont typeface="Arial" panose="020B0604020202020204" pitchFamily="34" charset="0"/>
+              <a:buChar char="•"/>
+            </a:pPr>
+            <a:r>
+              <a:rPr lang="en-US" sz="1400" dirty="0" smtClean="0"/>
+              <a:t>Open Shift ( Red Hat ) – Used in Heritage </a:t>
+            </a:r>
+            <a:r>
+              <a:rPr lang="en-US" sz="1400" dirty="0" err="1" smtClean="0"/>
+              <a:t>Worldpay</a:t>
+            </a:r>
+            <a:endParaRPr lang="en-US" sz="1400" dirty="0" smtClean="0"/>
+          </a:p>
+          <a:p>
+            <a:pPr marL="285750" indent="-285750" algn="just">
+              <a:buFont typeface="Arial" panose="020B0604020202020204" pitchFamily="34" charset="0"/>
+              <a:buChar char="•"/>
+            </a:pPr>
+            <a:r>
+              <a:rPr lang="en-US" sz="1400" dirty="0" smtClean="0"/>
+              <a:t>EKS</a:t>
+            </a:r>
+          </a:p>
+          <a:p>
+            <a:pPr marL="285750" indent="-285750" algn="just">
+              <a:buFont typeface="Arial" panose="020B0604020202020204" pitchFamily="34" charset="0"/>
+              <a:buChar char="•"/>
+            </a:pPr>
+            <a:r>
+              <a:rPr lang="en-US" sz="1400" dirty="0" smtClean="0"/>
+              <a:t>GCE</a:t>
+            </a:r>
+          </a:p>
+          <a:p>
+            <a:pPr marL="285750" indent="-285750" algn="just">
+              <a:buFont typeface="Arial" panose="020B0604020202020204" pitchFamily="34" charset="0"/>
+              <a:buChar char="•"/>
+            </a:pPr>
+            <a:r>
+              <a:rPr lang="en-US" sz="1400" dirty="0" smtClean="0"/>
+              <a:t>Azure</a:t>
+            </a:r>
+            <a:endParaRPr lang="en-US" sz="1400" dirty="0" smtClean="0"/>
+          </a:p>
+          <a:p>
+            <a:pPr marL="285750" indent="-285750" algn="just">
+              <a:buFont typeface="Arial" panose="020B0604020202020204" pitchFamily="34" charset="0"/>
+              <a:buChar char="•"/>
+            </a:pPr>
+            <a:endParaRPr lang="en-US" sz="1400" dirty="0" smtClean="0"/>
+          </a:p>
+          <a:p>
+            <a:pPr marL="285750" indent="-285750" algn="just">
+              <a:buFont typeface="Arial" panose="020B0604020202020204" pitchFamily="34" charset="0"/>
+              <a:buChar char="•"/>
+            </a:pPr>
+            <a:endParaRPr lang="en-US" sz="1400" dirty="0" smtClean="0"/>
+          </a:p>
+          <a:p>
+            <a:pPr marL="285750" indent="-285750" algn="just">
+              <a:buFont typeface="Arial" panose="020B0604020202020204" pitchFamily="34" charset="0"/>
+              <a:buChar char="•"/>
+            </a:pPr>
+            <a:endParaRPr lang="en-US" sz="1400" dirty="0"/>
+          </a:p>
+          <a:p>
+            <a:pPr marL="285750" indent="-285750" algn="just">
+              <a:buFont typeface="Arial" panose="020B0604020202020204" pitchFamily="34" charset="0"/>
+              <a:buChar char="•"/>
+            </a:pPr>
+            <a:endParaRPr lang="en-US" sz="1400" dirty="0" smtClean="0"/>
+          </a:p>
+          <a:p>
+            <a:pPr marL="285750" indent="-285750" algn="just">
+              <a:buFont typeface="Arial" panose="020B0604020202020204" pitchFamily="34" charset="0"/>
+              <a:buChar char="•"/>
+            </a:pPr>
+            <a:endParaRPr lang="en-US" sz="1400" dirty="0"/>
+          </a:p>
+        </p:txBody>
+      </p:sp>
+    </p:spTree>
+    <p:extLst>
+      <p:ext uri="{BB962C8B-B14F-4D97-AF65-F5344CB8AC3E}">
+        <p14:creationId xmlns:p14="http://schemas.microsoft.com/office/powerpoint/2010/main" val="1313052407"/>
+      </p:ext>
+    </p:extLst>
+  </p:cSld>
+  <p:clrMapOvr>
+    <a:masterClrMapping/>
+  </p:clrMapOvr>
+  <p:timing>
+    <p:tnLst>
+      <p:par>
+        <p:cTn id="1" dur="indefinite" restart="never" nodeType="tmRoot"/>
+      </p:par>
+    </p:tnLst>
+  </p:timing>
+</p:sld>
+</file>
+
+<file path=ppt/slides/slide19.xml><?xml version="1.0" encoding="utf-8"?>
+<p:sld xmlns:a="http://schemas.openxmlformats.org/drawingml/2006/main" xmlns:r="http://schemas.openxmlformats.org/officeDocument/2006/relationships" xmlns:p="http://schemas.openxmlformats.org/presentationml/2006/main">
+  <p:cSld>
+    <p:spTree>
+      <p:nvGrpSpPr>
+        <p:cNvPr id="1" name=""/>
+        <p:cNvGrpSpPr/>
+        <p:nvPr/>
+      </p:nvGrpSpPr>
+      <p:grpSpPr>
+        <a:xfrm>
+          <a:off x="0" y="0"/>
+          <a:ext cx="0" cy="0"/>
+          <a:chOff x="0" y="0"/>
+          <a:chExt cx="0" cy="0"/>
+        </a:xfrm>
+      </p:grpSpPr>
+      <p:sp>
+        <p:nvSpPr>
+          <p:cNvPr id="2" name="Slide Number Placeholder 1"/>
+          <p:cNvSpPr>
+            <a:spLocks noGrp="1"/>
+          </p:cNvSpPr>
+          <p:nvPr>
+            <p:ph type="sldNum" sz="quarter" idx="12"/>
+          </p:nvPr>
+        </p:nvSpPr>
+        <p:spPr/>
+        <p:txBody>
+          <a:bodyPr/>
+          <a:lstStyle/>
+          <a:p>
+            <a:fld id="{B32AB80A-78BA-6B42-BA0D-B44ACF890F5A}" type="slidenum">
+              <a:rPr lang="en-US" smtClean="0"/>
+              <a:t>19</a:t>
+            </a:fld>
+            <a:endParaRPr lang="en-US" dirty="0"/>
+          </a:p>
+        </p:txBody>
+      </p:sp>
+      <p:sp>
+        <p:nvSpPr>
+          <p:cNvPr id="3" name="Text Placeholder 2"/>
+          <p:cNvSpPr>
+            <a:spLocks noGrp="1"/>
+          </p:cNvSpPr>
+          <p:nvPr>
+            <p:ph type="body" sz="quarter" idx="13"/>
+          </p:nvPr>
+        </p:nvSpPr>
+        <p:spPr/>
+        <p:txBody>
+          <a:bodyPr>
+            <a:normAutofit/>
+          </a:bodyPr>
+          <a:lstStyle/>
+          <a:p>
+            <a:pPr marL="285750" indent="-285750">
+              <a:buClr>
+                <a:schemeClr val="tx1"/>
+              </a:buClr>
+              <a:buFont typeface="Wingdings" pitchFamily="2" charset="2"/>
+              <a:buChar char="ü"/>
+            </a:pPr>
+            <a:r>
+              <a:rPr lang="en-US" sz="1800" dirty="0"/>
+              <a:t>https://kubernetes.io/</a:t>
+            </a:r>
+            <a:endParaRPr lang="en-US" sz="1800" dirty="0" smtClean="0"/>
+          </a:p>
+          <a:p>
+            <a:pPr marL="285750" indent="-285750">
+              <a:buClr>
+                <a:schemeClr val="tx1"/>
+              </a:buClr>
+              <a:buFont typeface="Wingdings" pitchFamily="2" charset="2"/>
+              <a:buChar char="ü"/>
+            </a:pPr>
+            <a:endParaRPr lang="en-US" sz="1800" dirty="0"/>
+          </a:p>
+        </p:txBody>
+      </p:sp>
+      <p:sp>
+        <p:nvSpPr>
+          <p:cNvPr id="4" name="Title 3"/>
+          <p:cNvSpPr>
+            <a:spLocks noGrp="1"/>
+          </p:cNvSpPr>
+          <p:nvPr>
+            <p:ph type="title"/>
+          </p:nvPr>
+        </p:nvSpPr>
+        <p:spPr/>
+        <p:txBody>
+          <a:bodyPr/>
+          <a:lstStyle/>
+          <a:p>
+            <a:r>
+              <a:rPr lang="en-US" dirty="0" smtClean="0"/>
+              <a:t>Reference &amp; Links</a:t>
+            </a:r>
+            <a:endParaRPr lang="en-US" dirty="0"/>
+          </a:p>
+        </p:txBody>
+      </p:sp>
+    </p:spTree>
+    <p:extLst>
+      <p:ext uri="{BB962C8B-B14F-4D97-AF65-F5344CB8AC3E}">
+        <p14:creationId xmlns:p14="http://schemas.microsoft.com/office/powerpoint/2010/main" val="318448969"/>
+      </p:ext>
+    </p:extLst>
+  </p:cSld>
+  <p:clrMapOvr>
+    <a:masterClrMapping/>
+  </p:clrMapOvr>
   <p:timing>
     <p:tnLst>
       <p:par>
@@ -5204,6 +6129,111 @@
 </p:sld>
 </file>
 
+<file path=ppt/slides/slide20.xml><?xml version="1.0" encoding="utf-8"?>
+<p:sld xmlns:a="http://schemas.openxmlformats.org/drawingml/2006/main" xmlns:r="http://schemas.openxmlformats.org/officeDocument/2006/relationships" xmlns:p="http://schemas.openxmlformats.org/presentationml/2006/main">
+  <p:cSld>
+    <p:spTree>
+      <p:nvGrpSpPr>
+        <p:cNvPr id="1" name=""/>
+        <p:cNvGrpSpPr/>
+        <p:nvPr/>
+      </p:nvGrpSpPr>
+      <p:grpSpPr>
+        <a:xfrm>
+          <a:off x="0" y="0"/>
+          <a:ext cx="0" cy="0"/>
+          <a:chOff x="0" y="0"/>
+          <a:chExt cx="0" cy="0"/>
+        </a:xfrm>
+      </p:grpSpPr>
+      <p:sp>
+        <p:nvSpPr>
+          <p:cNvPr id="2" name="Slide Number Placeholder 1"/>
+          <p:cNvSpPr>
+            <a:spLocks noGrp="1"/>
+          </p:cNvSpPr>
+          <p:nvPr>
+            <p:ph type="sldNum" sz="quarter" idx="4294967295"/>
+          </p:nvPr>
+        </p:nvSpPr>
+        <p:spPr>
+          <a:xfrm>
+            <a:off x="0" y="4830763"/>
+            <a:ext cx="457200" cy="342900"/>
+          </a:xfrm>
+        </p:spPr>
+        <p:txBody>
+          <a:bodyPr/>
+          <a:lstStyle/>
+          <a:p>
+            <a:pPr>
+              <a:defRPr/>
+            </a:pPr>
+            <a:fld id="{F6B0337D-C648-436D-981E-56AD61F63D5F}" type="slidenum">
+              <a:rPr lang="en-US" smtClean="0"/>
+              <a:pPr>
+                <a:defRPr/>
+              </a:pPr>
+              <a:t>20</a:t>
+            </a:fld>
+            <a:endParaRPr lang="en-US" dirty="0"/>
+          </a:p>
+        </p:txBody>
+      </p:sp>
+      <p:sp>
+        <p:nvSpPr>
+          <p:cNvPr id="7" name="Rectangle 6"/>
+          <p:cNvSpPr/>
+          <p:nvPr/>
+        </p:nvSpPr>
+        <p:spPr>
+          <a:xfrm>
+            <a:off x="3016250" y="2005081"/>
+            <a:ext cx="2861161" cy="707886"/>
+          </a:xfrm>
+          <a:prstGeom prst="rect">
+            <a:avLst/>
+          </a:prstGeom>
+        </p:spPr>
+        <p:txBody>
+          <a:bodyPr wrap="square">
+            <a:spAutoFit/>
+          </a:bodyPr>
+          <a:lstStyle/>
+          <a:p>
+            <a:pPr marL="171450" algn="r"/>
+            <a:r>
+              <a:rPr lang="en-US" sz="4000" dirty="0">
+                <a:solidFill>
+                  <a:schemeClr val="bg2"/>
+                </a:solidFill>
+              </a:rPr>
+              <a:t>Thank You </a:t>
+            </a:r>
+          </a:p>
+        </p:txBody>
+      </p:sp>
+    </p:spTree>
+    <p:extLst>
+      <p:ext uri="{BB962C8B-B14F-4D97-AF65-F5344CB8AC3E}">
+        <p14:creationId xmlns:p14="http://schemas.microsoft.com/office/powerpoint/2010/main" val="550683661"/>
+      </p:ext>
+    </p:extLst>
+  </p:cSld>
+  <p:clrMapOvr>
+    <a:masterClrMapping/>
+  </p:clrMapOvr>
+  <p:transition/>
+  <p:timing>
+    <p:tnLst>
+      <p:par>
+        <p:cTn id="1" dur="indefinite" restart="never" nodeType="tmRoot"/>
+      </p:par>
+    </p:tnLst>
+  </p:timing>
+</p:sld>
+</file>
+
 <file path=ppt/slides/slide3.xml><?xml version="1.0" encoding="utf-8"?>
 <p:sld xmlns:a="http://schemas.openxmlformats.org/drawingml/2006/main" xmlns:r="http://schemas.openxmlformats.org/officeDocument/2006/relationships" xmlns:p="http://schemas.openxmlformats.org/presentationml/2006/main">
   <p:cSld>
@@ -5310,11 +6340,15 @@
           <a:bodyPr/>
           <a:lstStyle/>
           <a:p>
-            <a:r>
-              <a:rPr lang="en-US" dirty="0" smtClean="0"/>
-              <a:t>Need for Kubernetes</a:t>
-            </a:r>
-            <a:endParaRPr lang="en-US" dirty="0"/>
+            <a:pPr>
+              <a:buClr>
+                <a:schemeClr val="tx1"/>
+              </a:buClr>
+            </a:pPr>
+            <a:r>
+              <a:rPr lang="en-US" sz="2400" dirty="0"/>
+              <a:t>Micro-service Architecture</a:t>
+            </a:r>
           </a:p>
         </p:txBody>
       </p:sp>
@@ -6404,8 +7438,28 @@
               <a:buChar char="•"/>
             </a:pPr>
             <a:r>
+              <a:rPr lang="en-US" sz="1400" dirty="0">
+                <a:hlinkClick r:id="rId2"/>
+              </a:rPr>
+              <a:t>Kubernetes</a:t>
+            </a:r>
+            <a:r>
               <a:rPr lang="en-US" sz="1400" dirty="0"/>
-              <a:t>Kubernetes exposes the whole datacenter as a single deployment platform</a:t>
+              <a:t> is an open-source system for automating deployment, scaling, and management of containerized applications</a:t>
+            </a:r>
+          </a:p>
+          <a:p>
+            <a:pPr marL="285750" indent="-285750" algn="just">
+              <a:buFont typeface="Arial" panose="020B0604020202020204" pitchFamily="34" charset="0"/>
+              <a:buChar char="•"/>
+            </a:pPr>
+            <a:r>
+              <a:rPr lang="en-US" sz="1400" dirty="0" smtClean="0"/>
+              <a:t>Kubernetes </a:t>
+            </a:r>
+            <a:r>
+              <a:rPr lang="en-US" sz="1400" dirty="0"/>
+              <a:t>exposes the whole datacenter as a single deployment platform</a:t>
             </a:r>
             <a:r>
               <a:rPr lang="en-US" sz="1400" dirty="0" smtClean="0"/>
@@ -6430,21 +7484,6 @@
               <a:t>applications on thousands of computer nodes as if all those nodes were a single, enormous computer. It abstracts away the underlying infrastructure and, by doing so, simplifies development, deployment, and management for both development and the operations teams. </a:t>
             </a:r>
             <a:endParaRPr lang="en-US" sz="1400" dirty="0" smtClean="0"/>
-          </a:p>
-          <a:p>
-            <a:pPr marL="285750" indent="-285750" algn="just">
-              <a:buFont typeface="Arial" panose="020B0604020202020204" pitchFamily="34" charset="0"/>
-              <a:buChar char="•"/>
-            </a:pPr>
-            <a:r>
-              <a:rPr lang="en-US" sz="1400" dirty="0"/>
-              <a:t>When the developer submits a list of apps to the master, Kubernetes deploys them to the cluster of worker nodes</a:t>
-            </a:r>
-            <a:r>
-              <a:rPr lang="en-US" sz="1400" dirty="0" smtClean="0"/>
-              <a:t>.</a:t>
-            </a:r>
-            <a:endParaRPr lang="en-US" sz="1400" dirty="0"/>
           </a:p>
           <a:p>
             <a:pPr marL="285750" indent="-285750" algn="just">
@@ -6494,15 +7533,15 @@
           <p:nvPr/>
         </p:nvPicPr>
         <p:blipFill>
-          <a:blip r:embed="rId2"/>
+          <a:blip r:embed="rId3"/>
           <a:stretch>
             <a:fillRect/>
           </a:stretch>
         </p:blipFill>
         <p:spPr>
           <a:xfrm>
-            <a:off x="0" y="2392565"/>
-            <a:ext cx="9144000" cy="2726656"/>
+            <a:off x="44761" y="2640073"/>
+            <a:ext cx="9144000" cy="2503428"/>
           </a:xfrm>
           <a:prstGeom prst="rect">
             <a:avLst/>
